--- a/SVM Paper 1.pptx
+++ b/SVM Paper 1.pptx
@@ -5,10 +5,10 @@
     <p:sldMasterId id="2147483710" r:id="rId4"/>
   </p:sldMasterIdLst>
   <p:notesMasterIdLst>
-    <p:notesMasterId r:id="rId17"/>
+    <p:notesMasterId r:id="rId18"/>
   </p:notesMasterIdLst>
   <p:handoutMasterIdLst>
-    <p:handoutMasterId r:id="rId18"/>
+    <p:handoutMasterId r:id="rId19"/>
   </p:handoutMasterIdLst>
   <p:sldIdLst>
     <p:sldId id="256" r:id="rId5"/>
@@ -21,8 +21,9 @@
     <p:sldId id="271" r:id="rId12"/>
     <p:sldId id="276" r:id="rId13"/>
     <p:sldId id="272" r:id="rId14"/>
-    <p:sldId id="273" r:id="rId15"/>
-    <p:sldId id="267" r:id="rId16"/>
+    <p:sldId id="278" r:id="rId15"/>
+    <p:sldId id="273" r:id="rId16"/>
+    <p:sldId id="267" r:id="rId17"/>
   </p:sldIdLst>
   <p:sldSz cx="12192000" cy="6858000"/>
   <p:notesSz cx="6858000" cy="9144000"/>
@@ -130,14 +131,6 @@
     </p:ext>
   </p:extLst>
 </p:presentation>
-</file>
-
-<file path=ppt/revisionInfo.xml><?xml version="1.0" encoding="utf-8"?>
-<p1510:revInfo xmlns:a="http://schemas.openxmlformats.org/drawingml/2006/main" xmlns:r="http://schemas.openxmlformats.org/officeDocument/2006/relationships" xmlns:p1510="http://schemas.microsoft.com/office/powerpoint/2015/10/main">
-  <p1510:revLst>
-    <p1510:client id="{9BB4FAF3-64D3-4A2D-B788-D516E4B03F3F}" v="114" dt="2024-09-24T08:57:02.481"/>
-  </p1510:revLst>
-</p1510:revInfo>
 </file>
 
 <file path=ppt/handoutMasters/handoutMaster1.xml><?xml version="1.0" encoding="utf-8"?>
@@ -988,7 +981,7 @@
     </p:spTree>
     <p:extLst>
       <p:ext uri="{BB962C8B-B14F-4D97-AF65-F5344CB8AC3E}">
-        <p14:creationId xmlns:p14="http://schemas.microsoft.com/office/powerpoint/2010/main" val="1952891881"/>
+        <p14:creationId xmlns:p14="http://schemas.microsoft.com/office/powerpoint/2010/main" val="3365210306"/>
       </p:ext>
     </p:extLst>
   </p:cSld>
@@ -1039,6 +1032,94 @@
         </p:nvSpPr>
         <p:spPr/>
         <p:txBody>
+          <a:bodyPr/>
+          <a:lstStyle/>
+          <a:p>
+            <a:endParaRPr lang="ko-KR" altLang="en-US">
+              <a:latin typeface="+mj-ea"/>
+              <a:ea typeface="+mj-ea"/>
+            </a:endParaRPr>
+          </a:p>
+        </p:txBody>
+      </p:sp>
+      <p:sp>
+        <p:nvSpPr>
+          <p:cNvPr id="4" name="슬라이드 번호 개체 틀 3"/>
+          <p:cNvSpPr>
+            <a:spLocks noGrp="1"/>
+          </p:cNvSpPr>
+          <p:nvPr>
+            <p:ph type="sldNum" sz="quarter" idx="5"/>
+          </p:nvPr>
+        </p:nvSpPr>
+        <p:spPr/>
+        <p:txBody>
+          <a:bodyPr/>
+          <a:lstStyle/>
+          <a:p>
+            <a:pPr rtl="0"/>
+            <a:fld id="{CC5C198C-F94F-45D5-B9E3-B6FFB8BCAC79}" type="slidenum">
+              <a:rPr lang="en-US" altLang="ko-KR" smtClean="0"/>
+              <a:t>12</a:t>
+            </a:fld>
+            <a:endParaRPr lang="ko-KR" altLang="en-US"/>
+          </a:p>
+        </p:txBody>
+      </p:sp>
+    </p:spTree>
+    <p:extLst>
+      <p:ext uri="{BB962C8B-B14F-4D97-AF65-F5344CB8AC3E}">
+        <p14:creationId xmlns:p14="http://schemas.microsoft.com/office/powerpoint/2010/main" val="1952891881"/>
+      </p:ext>
+    </p:extLst>
+  </p:cSld>
+  <p:clrMapOvr>
+    <a:masterClrMapping/>
+  </p:clrMapOvr>
+</p:notes>
+</file>
+
+<file path=ppt/notesSlides/notesSlide13.xml><?xml version="1.0" encoding="utf-8"?>
+<p:notes xmlns:a="http://schemas.openxmlformats.org/drawingml/2006/main" xmlns:r="http://schemas.openxmlformats.org/officeDocument/2006/relationships" xmlns:p="http://schemas.openxmlformats.org/presentationml/2006/main">
+  <p:cSld>
+    <p:spTree>
+      <p:nvGrpSpPr>
+        <p:cNvPr id="1" name=""/>
+        <p:cNvGrpSpPr/>
+        <p:nvPr/>
+      </p:nvGrpSpPr>
+      <p:grpSpPr>
+        <a:xfrm>
+          <a:off x="0" y="0"/>
+          <a:ext cx="0" cy="0"/>
+          <a:chOff x="0" y="0"/>
+          <a:chExt cx="0" cy="0"/>
+        </a:xfrm>
+      </p:grpSpPr>
+      <p:sp>
+        <p:nvSpPr>
+          <p:cNvPr id="2" name="슬라이드 이미지 개체 틀 1"/>
+          <p:cNvSpPr>
+            <a:spLocks noGrp="1" noRot="1" noChangeAspect="1"/>
+          </p:cNvSpPr>
+          <p:nvPr>
+            <p:ph type="sldImg"/>
+          </p:nvPr>
+        </p:nvSpPr>
+        <p:spPr/>
+      </p:sp>
+      <p:sp>
+        <p:nvSpPr>
+          <p:cNvPr id="3" name="슬라이드 노트 개체 틀 2"/>
+          <p:cNvSpPr>
+            <a:spLocks noGrp="1"/>
+          </p:cNvSpPr>
+          <p:nvPr>
+            <p:ph type="body" idx="1"/>
+          </p:nvPr>
+        </p:nvSpPr>
+        <p:spPr/>
+        <p:txBody>
           <a:bodyPr rtlCol="0"/>
           <a:lstStyle/>
           <a:p>
@@ -1068,7 +1149,7 @@
             <a:pPr rtl="0"/>
             <a:fld id="{CC5C198C-F94F-45D5-B9E3-B6FFB8BCAC79}" type="slidenum">
               <a:rPr lang="en-US" altLang="ko-KR" smtClean="0"/>
-              <a:t>12</a:t>
+              <a:t>13</a:t>
             </a:fld>
             <a:endParaRPr lang="ko-KR" altLang="en-US"/>
           </a:p>
@@ -9599,6 +9680,60 @@
           </a:prstGeom>
         </p:spPr>
       </p:pic>
+      <p:sp>
+        <p:nvSpPr>
+          <p:cNvPr id="10" name="직사각형 9">
+            <a:extLst>
+              <a:ext uri="{FF2B5EF4-FFF2-40B4-BE49-F238E27FC236}">
+                <a16:creationId xmlns:a16="http://schemas.microsoft.com/office/drawing/2014/main" id="{905EB7AF-1A63-E011-1474-5A9373593EE5}"/>
+              </a:ext>
+            </a:extLst>
+          </p:cNvPr>
+          <p:cNvSpPr/>
+          <p:nvPr/>
+        </p:nvSpPr>
+        <p:spPr>
+          <a:xfrm>
+            <a:off x="400246" y="5085567"/>
+            <a:ext cx="5695754" cy="388307"/>
+          </a:xfrm>
+          <a:prstGeom prst="rect">
+            <a:avLst/>
+          </a:prstGeom>
+          <a:solidFill>
+            <a:schemeClr val="bg1"/>
+          </a:solidFill>
+          <a:ln>
+            <a:solidFill>
+              <a:schemeClr val="bg1"/>
+            </a:solidFill>
+          </a:ln>
+        </p:spPr>
+        <p:style>
+          <a:lnRef idx="2">
+            <a:schemeClr val="accent1">
+              <a:shade val="15000"/>
+            </a:schemeClr>
+          </a:lnRef>
+          <a:fillRef idx="1">
+            <a:schemeClr val="accent1"/>
+          </a:fillRef>
+          <a:effectRef idx="0">
+            <a:schemeClr val="accent1"/>
+          </a:effectRef>
+          <a:fontRef idx="minor">
+            <a:schemeClr val="lt1"/>
+          </a:fontRef>
+        </p:style>
+        <p:txBody>
+          <a:bodyPr rtlCol="0" anchor="ctr"/>
+          <a:lstStyle/>
+          <a:p>
+            <a:pPr algn="ctr"/>
+            <a:endParaRPr lang="ko-KR" altLang="en-US" dirty="0"/>
+          </a:p>
+        </p:txBody>
+      </p:sp>
     </p:spTree>
     <p:extLst>
       <p:ext uri="{BB962C8B-B14F-4D97-AF65-F5344CB8AC3E}">
@@ -9662,7 +9797,7 @@
                 <a:latin typeface="맑은 고딕" panose="020B0503020000020004" pitchFamily="50" charset="-127"/>
                 <a:ea typeface="맑은 고딕" panose="020B0503020000020004" pitchFamily="50" charset="-127"/>
               </a:rPr>
-              <a:t>Conclusions</a:t>
+              <a:t> Performance Evaluation</a:t>
             </a:r>
             <a:endParaRPr lang="ko-KR" altLang="en-US" dirty="0">
               <a:latin typeface="맑은 고딕" panose="020B0503020000020004" pitchFamily="50" charset="-127"/>
@@ -9713,134 +9848,40 @@
           </a:p>
         </p:txBody>
       </p:sp>
-      <p:sp>
-        <p:nvSpPr>
-          <p:cNvPr id="2" name="TextBox 1">
-            <a:extLst>
-              <a:ext uri="{FF2B5EF4-FFF2-40B4-BE49-F238E27FC236}">
-                <a16:creationId xmlns:a16="http://schemas.microsoft.com/office/drawing/2014/main" id="{8DCBC2CD-E853-DD7C-77FB-799E7B25F472}"/>
-              </a:ext>
-            </a:extLst>
-          </p:cNvPr>
-          <p:cNvSpPr txBox="1"/>
+      <p:pic>
+        <p:nvPicPr>
+          <p:cNvPr id="4" name="그림 3">
+            <a:extLst>
+              <a:ext uri="{FF2B5EF4-FFF2-40B4-BE49-F238E27FC236}">
+                <a16:creationId xmlns:a16="http://schemas.microsoft.com/office/drawing/2014/main" id="{81BC660B-4CCE-ADE3-FA0C-DE5BBEC473E7}"/>
+              </a:ext>
+            </a:extLst>
+          </p:cNvPr>
+          <p:cNvPicPr>
+            <a:picLocks noChangeAspect="1"/>
+          </p:cNvPicPr>
           <p:nvPr/>
-        </p:nvSpPr>
-        <p:spPr>
-          <a:xfrm>
-            <a:off x="1149691" y="2997864"/>
-            <a:ext cx="9883877" cy="1200329"/>
+        </p:nvPicPr>
+        <p:blipFill>
+          <a:blip r:embed="rId3"/>
+          <a:stretch>
+            <a:fillRect/>
+          </a:stretch>
+        </p:blipFill>
+        <p:spPr>
+          <a:xfrm>
+            <a:off x="2605971" y="1437950"/>
+            <a:ext cx="6971318" cy="5283525"/>
           </a:xfrm>
           <a:prstGeom prst="rect">
             <a:avLst/>
           </a:prstGeom>
-          <a:noFill/>
-        </p:spPr>
-        <p:txBody>
-          <a:bodyPr wrap="square" rtlCol="0">
-            <a:spAutoFit/>
-          </a:bodyPr>
-          <a:lstStyle/>
-          <a:p>
-            <a:pPr algn="ctr"/>
-            <a:r>
-              <a:rPr lang="en-US" altLang="ko-KR" dirty="0"/>
-              <a:t>conventional </a:t>
-            </a:r>
-            <a:r>
-              <a:rPr lang="en-US" altLang="ko-KR" dirty="0" err="1"/>
-              <a:t>svm</a:t>
-            </a:r>
-            <a:r>
-              <a:rPr lang="ko-KR" altLang="en-US" dirty="0"/>
-              <a:t>의 </a:t>
-            </a:r>
-            <a:r>
-              <a:rPr lang="en-US" altLang="ko-KR" dirty="0"/>
-              <a:t>unclassifiable </a:t>
-            </a:r>
-            <a:r>
-              <a:rPr lang="en-US" altLang="ko-KR" dirty="0" err="1"/>
-              <a:t>resions</a:t>
-            </a:r>
-            <a:r>
-              <a:rPr lang="ko-KR" altLang="en-US" dirty="0"/>
-              <a:t>을 해결할 수 있는</a:t>
-            </a:r>
-            <a:endParaRPr lang="en-US" altLang="ko-KR" dirty="0"/>
-          </a:p>
-          <a:p>
-            <a:pPr algn="ctr"/>
-            <a:r>
-              <a:rPr lang="en-US" altLang="ko-KR" dirty="0"/>
-              <a:t>pairwise classification</a:t>
-            </a:r>
-            <a:r>
-              <a:rPr lang="ko-KR" altLang="en-US" dirty="0"/>
-              <a:t>을 위한 </a:t>
-            </a:r>
-            <a:r>
-              <a:rPr lang="en-US" altLang="ko-KR" dirty="0" err="1"/>
-              <a:t>FuzzySVM</a:t>
-            </a:r>
-            <a:r>
-              <a:rPr lang="ko-KR" altLang="en-US" dirty="0"/>
-              <a:t>에 대해 알아보았고</a:t>
-            </a:r>
-            <a:r>
-              <a:rPr lang="en-US" altLang="ko-KR" dirty="0"/>
-              <a:t>, </a:t>
-            </a:r>
-          </a:p>
-          <a:p>
-            <a:pPr algn="ctr"/>
-            <a:r>
-              <a:rPr lang="en-US" altLang="ko-KR" dirty="0"/>
-              <a:t>pairwise classification</a:t>
-            </a:r>
-            <a:r>
-              <a:rPr lang="ko-KR" altLang="en-US" dirty="0"/>
-              <a:t>를 이용한 </a:t>
-            </a:r>
-            <a:r>
-              <a:rPr lang="en-US" altLang="ko-KR" dirty="0"/>
-              <a:t>SVM</a:t>
-            </a:r>
-            <a:r>
-              <a:rPr lang="ko-KR" altLang="en-US" dirty="0"/>
-              <a:t>에서 </a:t>
-            </a:r>
-            <a:endParaRPr lang="en-US" altLang="ko-KR" dirty="0"/>
-          </a:p>
-          <a:p>
-            <a:pPr algn="ctr"/>
-            <a:r>
-              <a:rPr lang="en-US" altLang="ko-KR" dirty="0"/>
-              <a:t>FSVM</a:t>
-            </a:r>
-            <a:r>
-              <a:rPr lang="ko-KR" altLang="en-US" dirty="0"/>
-              <a:t>의 일반화된 능률이 </a:t>
-            </a:r>
-            <a:r>
-              <a:rPr lang="en-US" altLang="ko-KR" dirty="0"/>
-              <a:t>conventional SVM</a:t>
-            </a:r>
-            <a:r>
-              <a:rPr lang="ko-KR" altLang="en-US" dirty="0"/>
-              <a:t>보다 우월하다는 것을 확인했습니다</a:t>
-            </a:r>
-            <a:r>
-              <a:rPr lang="en-US" altLang="ko-KR" dirty="0"/>
-              <a:t>.</a:t>
-            </a:r>
-            <a:endParaRPr lang="ko-KR" altLang="en-US" dirty="0"/>
-          </a:p>
-        </p:txBody>
-      </p:sp>
+        </p:spPr>
+      </p:pic>
     </p:spTree>
     <p:extLst>
       <p:ext uri="{BB962C8B-B14F-4D97-AF65-F5344CB8AC3E}">
-        <p14:creationId xmlns:p14="http://schemas.microsoft.com/office/powerpoint/2010/main" val="3858552862"/>
+        <p14:creationId xmlns:p14="http://schemas.microsoft.com/office/powerpoint/2010/main" val="9500568"/>
       </p:ext>
     </p:extLst>
   </p:cSld>
@@ -9869,38 +9910,43 @@
       </p:grpSpPr>
       <p:sp>
         <p:nvSpPr>
-          <p:cNvPr id="12" name="제목 11">
-            <a:extLst>
-              <a:ext uri="{FF2B5EF4-FFF2-40B4-BE49-F238E27FC236}">
-                <a16:creationId xmlns:a16="http://schemas.microsoft.com/office/drawing/2014/main" id="{8628FA48-B05A-4DB8-9410-A9C9B08E9636}"/>
-              </a:ext>
-            </a:extLst>
-          </p:cNvPr>
-          <p:cNvSpPr>
-            <a:spLocks noGrp="1"/>
-          </p:cNvSpPr>
-          <p:nvPr>
-            <p:ph type="ctrTitle"/>
-          </p:nvPr>
-        </p:nvSpPr>
-        <p:spPr>
-          <a:xfrm>
-            <a:off x="975359" y="3637127"/>
-            <a:ext cx="10065679" cy="1493765"/>
-          </a:xfrm>
-        </p:spPr>
-        <p:txBody>
-          <a:bodyPr rtlCol="0"/>
+          <p:cNvPr id="6" name="제목 5">
+            <a:extLst>
+              <a:ext uri="{FF2B5EF4-FFF2-40B4-BE49-F238E27FC236}">
+                <a16:creationId xmlns:a16="http://schemas.microsoft.com/office/drawing/2014/main" id="{7BF2B60A-FF9F-4101-8456-4B64D3B77E90}"/>
+              </a:ext>
+            </a:extLst>
+          </p:cNvPr>
+          <p:cNvSpPr>
+            <a:spLocks noGrp="1"/>
+          </p:cNvSpPr>
+          <p:nvPr>
+            <p:ph type="title"/>
+          </p:nvPr>
+        </p:nvSpPr>
+        <p:spPr>
+          <a:xfrm>
+            <a:off x="639413" y="427099"/>
+            <a:ext cx="10904435" cy="689608"/>
+          </a:xfrm>
+        </p:spPr>
+        <p:txBody>
+          <a:bodyPr rtlCol="0">
+            <a:normAutofit/>
+          </a:bodyPr>
           <a:lstStyle/>
           <a:p>
-            <a:pPr rtl="0"/>
-            <a:r>
-              <a:rPr lang="ko-KR" altLang="en-US" dirty="0">
+            <a:r>
+              <a:rPr lang="en-US" altLang="ko-KR" sz="2400" dirty="0">
                 <a:latin typeface="맑은 고딕" panose="020B0503020000020004" pitchFamily="50" charset="-127"/>
                 <a:ea typeface="맑은 고딕" panose="020B0503020000020004" pitchFamily="50" charset="-127"/>
               </a:rPr>
-              <a:t>감사합니다</a:t>
-            </a:r>
+              <a:t>Conclusions</a:t>
+            </a:r>
+            <a:endParaRPr lang="ko-KR" altLang="en-US" dirty="0">
+              <a:latin typeface="맑은 고딕" panose="020B0503020000020004" pitchFamily="50" charset="-127"/>
+              <a:ea typeface="맑은 고딕" panose="020B0503020000020004" pitchFamily="50" charset="-127"/>
+            </a:endParaRPr>
           </a:p>
         </p:txBody>
       </p:sp>
@@ -9909,7 +9955,7 @@
           <p:cNvPr id="5" name="슬라이드 번호 개체 틀 4">
             <a:extLst>
               <a:ext uri="{FF2B5EF4-FFF2-40B4-BE49-F238E27FC236}">
-                <a16:creationId xmlns:a16="http://schemas.microsoft.com/office/drawing/2014/main" id="{A3B94B98-E69D-493E-8058-816AE81FD837}"/>
+                <a16:creationId xmlns:a16="http://schemas.microsoft.com/office/drawing/2014/main" id="{AA393BC7-497F-4081-83BD-AF606B532881}"/>
               </a:ext>
             </a:extLst>
           </p:cNvPr>
@@ -9938,6 +9984,239 @@
               </a:rPr>
               <a:pPr lvl="0" rtl="0"/>
               <a:t>12</a:t>
+            </a:fld>
+            <a:endParaRPr lang="ko-KR" altLang="en-US">
+              <a:latin typeface="맑은 고딕" panose="020B0503020000020004" pitchFamily="50" charset="-127"/>
+              <a:ea typeface="맑은 고딕" panose="020B0503020000020004" pitchFamily="50" charset="-127"/>
+            </a:endParaRPr>
+          </a:p>
+        </p:txBody>
+      </p:sp>
+      <p:sp>
+        <p:nvSpPr>
+          <p:cNvPr id="2" name="TextBox 1">
+            <a:extLst>
+              <a:ext uri="{FF2B5EF4-FFF2-40B4-BE49-F238E27FC236}">
+                <a16:creationId xmlns:a16="http://schemas.microsoft.com/office/drawing/2014/main" id="{8DCBC2CD-E853-DD7C-77FB-799E7B25F472}"/>
+              </a:ext>
+            </a:extLst>
+          </p:cNvPr>
+          <p:cNvSpPr txBox="1"/>
+          <p:nvPr/>
+        </p:nvSpPr>
+        <p:spPr>
+          <a:xfrm>
+            <a:off x="1149691" y="2997864"/>
+            <a:ext cx="9883877" cy="1200329"/>
+          </a:xfrm>
+          <a:prstGeom prst="rect">
+            <a:avLst/>
+          </a:prstGeom>
+          <a:noFill/>
+        </p:spPr>
+        <p:txBody>
+          <a:bodyPr wrap="square" rtlCol="0">
+            <a:spAutoFit/>
+          </a:bodyPr>
+          <a:lstStyle/>
+          <a:p>
+            <a:pPr algn="ctr"/>
+            <a:r>
+              <a:rPr lang="en-US" altLang="ko-KR" dirty="0"/>
+              <a:t>conventional </a:t>
+            </a:r>
+            <a:r>
+              <a:rPr lang="en-US" altLang="ko-KR" dirty="0" err="1"/>
+              <a:t>svm</a:t>
+            </a:r>
+            <a:r>
+              <a:rPr lang="ko-KR" altLang="en-US" dirty="0"/>
+              <a:t>의 </a:t>
+            </a:r>
+            <a:r>
+              <a:rPr lang="en-US" altLang="ko-KR" dirty="0"/>
+              <a:t>unclassifiable </a:t>
+            </a:r>
+            <a:r>
+              <a:rPr lang="en-US" altLang="ko-KR" dirty="0" err="1"/>
+              <a:t>resions</a:t>
+            </a:r>
+            <a:r>
+              <a:rPr lang="ko-KR" altLang="en-US" dirty="0"/>
+              <a:t>을 해결할 수 있는</a:t>
+            </a:r>
+            <a:endParaRPr lang="en-US" altLang="ko-KR" dirty="0"/>
+          </a:p>
+          <a:p>
+            <a:pPr algn="ctr"/>
+            <a:r>
+              <a:rPr lang="en-US" altLang="ko-KR" dirty="0"/>
+              <a:t>pairwise classification</a:t>
+            </a:r>
+            <a:r>
+              <a:rPr lang="ko-KR" altLang="en-US" dirty="0"/>
+              <a:t>을 위한 </a:t>
+            </a:r>
+            <a:r>
+              <a:rPr lang="en-US" altLang="ko-KR" dirty="0" err="1"/>
+              <a:t>FuzzySVM</a:t>
+            </a:r>
+            <a:r>
+              <a:rPr lang="ko-KR" altLang="en-US" dirty="0"/>
+              <a:t>에 대해 알아보았고</a:t>
+            </a:r>
+            <a:r>
+              <a:rPr lang="en-US" altLang="ko-KR" dirty="0"/>
+              <a:t>, </a:t>
+            </a:r>
+          </a:p>
+          <a:p>
+            <a:pPr algn="ctr"/>
+            <a:r>
+              <a:rPr lang="en-US" altLang="ko-KR" dirty="0"/>
+              <a:t>pairwise classification</a:t>
+            </a:r>
+            <a:r>
+              <a:rPr lang="ko-KR" altLang="en-US" dirty="0"/>
+              <a:t>를 이용한 </a:t>
+            </a:r>
+            <a:r>
+              <a:rPr lang="en-US" altLang="ko-KR" dirty="0"/>
+              <a:t>SVM</a:t>
+            </a:r>
+            <a:r>
+              <a:rPr lang="ko-KR" altLang="en-US" dirty="0"/>
+              <a:t>에서 </a:t>
+            </a:r>
+            <a:endParaRPr lang="en-US" altLang="ko-KR" dirty="0"/>
+          </a:p>
+          <a:p>
+            <a:pPr algn="ctr"/>
+            <a:r>
+              <a:rPr lang="en-US" altLang="ko-KR" dirty="0"/>
+              <a:t>FSVM</a:t>
+            </a:r>
+            <a:r>
+              <a:rPr lang="ko-KR" altLang="en-US" dirty="0"/>
+              <a:t>의 일반화된 능률이 </a:t>
+            </a:r>
+            <a:r>
+              <a:rPr lang="en-US" altLang="ko-KR" dirty="0"/>
+              <a:t>conventional SVM</a:t>
+            </a:r>
+            <a:r>
+              <a:rPr lang="ko-KR" altLang="en-US" dirty="0"/>
+              <a:t>보다 우월하다는 것을 확인했습니다</a:t>
+            </a:r>
+            <a:r>
+              <a:rPr lang="en-US" altLang="ko-KR" dirty="0"/>
+              <a:t>.</a:t>
+            </a:r>
+            <a:endParaRPr lang="ko-KR" altLang="en-US" dirty="0"/>
+          </a:p>
+        </p:txBody>
+      </p:sp>
+    </p:spTree>
+    <p:extLst>
+      <p:ext uri="{BB962C8B-B14F-4D97-AF65-F5344CB8AC3E}">
+        <p14:creationId xmlns:p14="http://schemas.microsoft.com/office/powerpoint/2010/main" val="3858552862"/>
+      </p:ext>
+    </p:extLst>
+  </p:cSld>
+  <p:clrMapOvr>
+    <a:masterClrMapping/>
+  </p:clrMapOvr>
+</p:sld>
+</file>
+
+<file path=ppt/slides/slide13.xml><?xml version="1.0" encoding="utf-8"?>
+<p:sld xmlns:a="http://schemas.openxmlformats.org/drawingml/2006/main" xmlns:r="http://schemas.openxmlformats.org/officeDocument/2006/relationships" xmlns:p="http://schemas.openxmlformats.org/presentationml/2006/main">
+  <p:cSld>
+    <p:spTree>
+      <p:nvGrpSpPr>
+        <p:cNvPr id="1" name=""/>
+        <p:cNvGrpSpPr/>
+        <p:nvPr/>
+      </p:nvGrpSpPr>
+      <p:grpSpPr>
+        <a:xfrm>
+          <a:off x="0" y="0"/>
+          <a:ext cx="0" cy="0"/>
+          <a:chOff x="0" y="0"/>
+          <a:chExt cx="0" cy="0"/>
+        </a:xfrm>
+      </p:grpSpPr>
+      <p:sp>
+        <p:nvSpPr>
+          <p:cNvPr id="12" name="제목 11">
+            <a:extLst>
+              <a:ext uri="{FF2B5EF4-FFF2-40B4-BE49-F238E27FC236}">
+                <a16:creationId xmlns:a16="http://schemas.microsoft.com/office/drawing/2014/main" id="{8628FA48-B05A-4DB8-9410-A9C9B08E9636}"/>
+              </a:ext>
+            </a:extLst>
+          </p:cNvPr>
+          <p:cNvSpPr>
+            <a:spLocks noGrp="1"/>
+          </p:cNvSpPr>
+          <p:nvPr>
+            <p:ph type="ctrTitle"/>
+          </p:nvPr>
+        </p:nvSpPr>
+        <p:spPr>
+          <a:xfrm>
+            <a:off x="975359" y="3637127"/>
+            <a:ext cx="10065679" cy="1493765"/>
+          </a:xfrm>
+        </p:spPr>
+        <p:txBody>
+          <a:bodyPr rtlCol="0"/>
+          <a:lstStyle/>
+          <a:p>
+            <a:pPr rtl="0"/>
+            <a:r>
+              <a:rPr lang="ko-KR" altLang="en-US" dirty="0">
+                <a:latin typeface="맑은 고딕" panose="020B0503020000020004" pitchFamily="50" charset="-127"/>
+                <a:ea typeface="맑은 고딕" panose="020B0503020000020004" pitchFamily="50" charset="-127"/>
+              </a:rPr>
+              <a:t>감사합니다</a:t>
+            </a:r>
+          </a:p>
+        </p:txBody>
+      </p:sp>
+      <p:sp>
+        <p:nvSpPr>
+          <p:cNvPr id="5" name="슬라이드 번호 개체 틀 4">
+            <a:extLst>
+              <a:ext uri="{FF2B5EF4-FFF2-40B4-BE49-F238E27FC236}">
+                <a16:creationId xmlns:a16="http://schemas.microsoft.com/office/drawing/2014/main" id="{A3B94B98-E69D-493E-8058-816AE81FD837}"/>
+              </a:ext>
+            </a:extLst>
+          </p:cNvPr>
+          <p:cNvSpPr>
+            <a:spLocks noGrp="1"/>
+          </p:cNvSpPr>
+          <p:nvPr>
+            <p:ph type="sldNum" sz="quarter" idx="12"/>
+          </p:nvPr>
+        </p:nvSpPr>
+        <p:spPr>
+          <a:xfrm>
+            <a:off x="10707939" y="6356350"/>
+            <a:ext cx="844649" cy="365125"/>
+          </a:xfrm>
+        </p:spPr>
+        <p:txBody>
+          <a:bodyPr rtlCol="0"/>
+          <a:lstStyle/>
+          <a:p>
+            <a:pPr lvl="0" rtl="0"/>
+            <a:fld id="{E20EFF4B-E35B-4DE6-97A9-05E54E649A15}" type="slidenum">
+              <a:rPr lang="en-US" altLang="ko-KR" smtClean="0">
+                <a:latin typeface="맑은 고딕" panose="020B0503020000020004" pitchFamily="50" charset="-127"/>
+                <a:ea typeface="맑은 고딕" panose="020B0503020000020004" pitchFamily="50" charset="-127"/>
+              </a:rPr>
+              <a:pPr lvl="0" rtl="0"/>
+              <a:t>13</a:t>
             </a:fld>
             <a:endParaRPr lang="ko-KR" altLang="en-US">
               <a:latin typeface="맑은 고딕" panose="020B0503020000020004" pitchFamily="50" charset="-127"/>
@@ -10314,8 +10593,8 @@
         </p:nvSpPr>
         <p:spPr>
           <a:xfrm>
-            <a:off x="405113" y="1723352"/>
-            <a:ext cx="11147475" cy="4247317"/>
+            <a:off x="396373" y="1407281"/>
+            <a:ext cx="11063157" cy="4524315"/>
           </a:xfrm>
           <a:prstGeom prst="rect">
             <a:avLst/>
@@ -10479,15 +10758,7 @@
           <a:p>
             <a:r>
               <a:rPr lang="en-US" altLang="ko-KR" dirty="0"/>
-              <a:t>decision-tree-based pairwise </a:t>
-            </a:r>
-            <a:r>
-              <a:rPr lang="en-US" altLang="ko-KR" dirty="0" err="1"/>
-              <a:t>classificaion</a:t>
-            </a:r>
-            <a:r>
-              <a:rPr lang="en-US" altLang="ko-KR" dirty="0"/>
-              <a:t> </a:t>
+              <a:t>decision-tree-based pairwise classification </a:t>
             </a:r>
           </a:p>
           <a:p>
@@ -10501,7 +10772,13 @@
             </a:r>
             <a:r>
               <a:rPr lang="en-US" altLang="ko-KR" dirty="0"/>
-              <a:t> regions are resolved but </a:t>
+              <a:t> regions are resolved </a:t>
+            </a:r>
+          </a:p>
+          <a:p>
+            <a:r>
+              <a:rPr lang="en-US" altLang="ko-KR" dirty="0"/>
+              <a:t>but </a:t>
             </a:r>
             <a:r>
               <a:rPr lang="ko-KR" altLang="en-US" dirty="0"/>
@@ -10523,15 +10800,15 @@
           <a:p>
             <a:r>
               <a:rPr lang="en-US" altLang="ko-KR" dirty="0"/>
-              <a:t>=&gt; </a:t>
+              <a:t>=&gt;</a:t>
             </a:r>
             <a:r>
               <a:rPr lang="ko-KR" altLang="en-US" dirty="0"/>
-              <a:t>하나와 나머지로 나누는 </a:t>
+              <a:t> </a:t>
             </a:r>
             <a:r>
               <a:rPr lang="en-US" altLang="ko-KR" dirty="0"/>
-              <a:t>fuzzy support vector machine</a:t>
+              <a:t>pairwise fuzzy support vector machine</a:t>
             </a:r>
             <a:r>
               <a:rPr lang="ko-KR" altLang="en-US" dirty="0"/>
@@ -10543,6 +10820,36 @@
           </a:p>
         </p:txBody>
       </p:sp>
+      <p:pic>
+        <p:nvPicPr>
+          <p:cNvPr id="4" name="그림 3">
+            <a:extLst>
+              <a:ext uri="{FF2B5EF4-FFF2-40B4-BE49-F238E27FC236}">
+                <a16:creationId xmlns:a16="http://schemas.microsoft.com/office/drawing/2014/main" id="{2FE49592-6D4C-1205-F67B-FE71A785EFA7}"/>
+              </a:ext>
+            </a:extLst>
+          </p:cNvPr>
+          <p:cNvPicPr>
+            <a:picLocks noChangeAspect="1"/>
+          </p:cNvPicPr>
+          <p:nvPr/>
+        </p:nvPicPr>
+        <p:blipFill>
+          <a:blip r:embed="rId3"/>
+          <a:stretch>
+            <a:fillRect/>
+          </a:stretch>
+        </p:blipFill>
+        <p:spPr>
+          <a:xfrm>
+            <a:off x="7366657" y="3868021"/>
+            <a:ext cx="3197929" cy="2804467"/>
+          </a:xfrm>
+          <a:prstGeom prst="rect">
+            <a:avLst/>
+          </a:prstGeom>
+        </p:spPr>
+      </p:pic>
     </p:spTree>
     <p:extLst>
       <p:ext uri="{BB962C8B-B14F-4D97-AF65-F5344CB8AC3E}">
@@ -10678,7 +10985,7 @@
         </p:blipFill>
         <p:spPr>
           <a:xfrm>
-            <a:off x="746495" y="1590146"/>
+            <a:off x="746495" y="4195554"/>
             <a:ext cx="8760756" cy="2333334"/>
           </a:xfrm>
           <a:prstGeom prst="rect">
@@ -10708,7 +11015,7 @@
         </p:blipFill>
         <p:spPr>
           <a:xfrm>
-            <a:off x="969991" y="4004274"/>
+            <a:off x="969991" y="1686964"/>
             <a:ext cx="3025054" cy="351193"/>
           </a:xfrm>
           <a:prstGeom prst="rect">
@@ -10737,7 +11044,7 @@
         </p:blipFill>
         <p:spPr>
           <a:xfrm>
-            <a:off x="969991" y="4396919"/>
+            <a:off x="969991" y="2079609"/>
             <a:ext cx="8093416" cy="1038854"/>
           </a:xfrm>
           <a:prstGeom prst="rect">
@@ -10767,7 +11074,7 @@
         </p:blipFill>
         <p:spPr>
           <a:xfrm>
-            <a:off x="969991" y="5692164"/>
+            <a:off x="969991" y="3237068"/>
             <a:ext cx="3791479" cy="809738"/>
           </a:xfrm>
           <a:prstGeom prst="rect">
@@ -11083,7 +11390,7 @@
         </p:blipFill>
         <p:spPr>
           <a:xfrm>
-            <a:off x="639413" y="1592377"/>
+            <a:off x="802255" y="2618854"/>
             <a:ext cx="1770613" cy="689607"/>
           </a:xfrm>
           <a:prstGeom prst="rect">
@@ -11113,7 +11420,7 @@
         </p:blipFill>
         <p:spPr>
           <a:xfrm>
-            <a:off x="639413" y="2281984"/>
+            <a:off x="2881576" y="2441803"/>
             <a:ext cx="1313631" cy="1043707"/>
           </a:xfrm>
           <a:prstGeom prst="rect">
@@ -11143,37 +11450,8 @@
         </p:blipFill>
         <p:spPr>
           <a:xfrm>
-            <a:off x="3081697" y="1592377"/>
-            <a:ext cx="6367928" cy="1043706"/>
-          </a:xfrm>
-          <a:prstGeom prst="rect">
-            <a:avLst/>
-          </a:prstGeom>
-        </p:spPr>
-      </p:pic>
-      <p:pic>
-        <p:nvPicPr>
-          <p:cNvPr id="13" name="그림 12">
-            <a:extLst>
-              <a:ext uri="{FF2B5EF4-FFF2-40B4-BE49-F238E27FC236}">
-                <a16:creationId xmlns:a16="http://schemas.microsoft.com/office/drawing/2014/main" id="{0354E03C-E079-7AB5-F178-8FA2EBB4440D}"/>
-              </a:ext>
-            </a:extLst>
-          </p:cNvPr>
-          <p:cNvPicPr>
-            <a:picLocks noChangeAspect="1"/>
-          </p:cNvPicPr>
-          <p:nvPr/>
-        </p:nvPicPr>
-        <p:blipFill>
-          <a:blip r:embed="rId6"/>
-          <a:srcRect t="3996"/>
-          <a:stretch/>
-        </p:blipFill>
-        <p:spPr>
-          <a:xfrm>
-            <a:off x="3114356" y="2841170"/>
-            <a:ext cx="6367928" cy="3822430"/>
+            <a:off x="802255" y="3574592"/>
+            <a:ext cx="7464826" cy="1223488"/>
           </a:xfrm>
           <a:prstGeom prst="rect">
             <a:avLst/>
@@ -11330,7 +11608,7 @@
         </p:blipFill>
         <p:spPr>
           <a:xfrm>
-            <a:off x="3760563" y="1536730"/>
+            <a:off x="4612331" y="1536730"/>
             <a:ext cx="6813982" cy="689608"/>
           </a:xfrm>
           <a:prstGeom prst="rect">
@@ -11360,7 +11638,7 @@
         </p:blipFill>
         <p:spPr>
           <a:xfrm>
-            <a:off x="3760564" y="2333230"/>
+            <a:off x="4612332" y="2333230"/>
             <a:ext cx="2754538" cy="463666"/>
           </a:xfrm>
           <a:prstGeom prst="rect">
@@ -11390,8 +11668,37 @@
         </p:blipFill>
         <p:spPr>
           <a:xfrm>
-            <a:off x="951542" y="3170454"/>
+            <a:off x="1793469" y="3170454"/>
             <a:ext cx="9557687" cy="3185896"/>
+          </a:xfrm>
+          <a:prstGeom prst="rect">
+            <a:avLst/>
+          </a:prstGeom>
+        </p:spPr>
+      </p:pic>
+      <p:pic>
+        <p:nvPicPr>
+          <p:cNvPr id="10" name="그림 9">
+            <a:extLst>
+              <a:ext uri="{FF2B5EF4-FFF2-40B4-BE49-F238E27FC236}">
+                <a16:creationId xmlns:a16="http://schemas.microsoft.com/office/drawing/2014/main" id="{61D3C30C-513B-C65A-C631-8EDDDD8080B3}"/>
+              </a:ext>
+            </a:extLst>
+          </p:cNvPr>
+          <p:cNvPicPr>
+            <a:picLocks noChangeAspect="1"/>
+          </p:cNvPicPr>
+          <p:nvPr/>
+        </p:nvPicPr>
+        <p:blipFill>
+          <a:blip r:embed="rId6"/>
+          <a:srcRect t="3996"/>
+          <a:stretch/>
+        </p:blipFill>
+        <p:spPr>
+          <a:xfrm>
+            <a:off x="0" y="1488693"/>
+            <a:ext cx="4358767" cy="2616406"/>
           </a:xfrm>
           <a:prstGeom prst="rect">
             <a:avLst/>
@@ -11548,7 +11855,7 @@
         </p:blipFill>
         <p:spPr>
           <a:xfrm>
-            <a:off x="3150165" y="1480101"/>
+            <a:off x="3150165" y="2051602"/>
             <a:ext cx="7051877" cy="862053"/>
           </a:xfrm>
           <a:prstGeom prst="rect">
@@ -11578,7 +11885,7 @@
         </p:blipFill>
         <p:spPr>
           <a:xfrm>
-            <a:off x="1867549" y="2629687"/>
+            <a:off x="1867549" y="3201188"/>
             <a:ext cx="8497780" cy="1304311"/>
           </a:xfrm>
           <a:prstGeom prst="rect">
@@ -11602,14 +11909,13 @@
         </p:nvPicPr>
         <p:blipFill>
           <a:blip r:embed="rId5"/>
-          <a:stretch>
-            <a:fillRect/>
-          </a:stretch>
+          <a:srcRect t="57242"/>
+          <a:stretch/>
         </p:blipFill>
         <p:spPr>
           <a:xfrm>
-            <a:off x="1643893" y="4221531"/>
-            <a:ext cx="8721436" cy="2384768"/>
+            <a:off x="1643893" y="4793032"/>
+            <a:ext cx="8721436" cy="1019691"/>
           </a:xfrm>
           <a:prstGeom prst="rect">
             <a:avLst/>
